--- a/ОтчетПоРаботе17.11.pptx
+++ b/ОтчетПоРаботе17.11.pptx
@@ -5,16 +5,19 @@
     <p:sldMasterId id="2147483648" r:id="rId1"/>
   </p:sldMasterIdLst>
   <p:notesMasterIdLst>
-    <p:notesMasterId r:id="rId7"/>
+    <p:notesMasterId r:id="rId10"/>
   </p:notesMasterIdLst>
   <p:handoutMasterIdLst>
-    <p:handoutMasterId r:id="rId8"/>
+    <p:handoutMasterId r:id="rId11"/>
   </p:handoutMasterIdLst>
   <p:sldIdLst>
     <p:sldId id="256" r:id="rId3"/>
     <p:sldId id="257" r:id="rId4"/>
     <p:sldId id="258" r:id="rId5"/>
     <p:sldId id="259" r:id="rId6"/>
+    <p:sldId id="260" r:id="rId7"/>
+    <p:sldId id="261" r:id="rId8"/>
+    <p:sldId id="262" r:id="rId9"/>
   </p:sldIdLst>
   <p:sldSz cx="12192000" cy="6858000"/>
   <p:notesSz cx="7103745" cy="10234295"/>
@@ -4438,6 +4441,246 @@
       <p:sp>
         <p:nvSpPr>
           <p:cNvPr id="5" name="Замещающий номер слайда 4"/>
+          <p:cNvSpPr>
+            <a:spLocks noGrp="1"/>
+          </p:cNvSpPr>
+          <p:nvPr>
+            <p:ph type="sldNum" sz="quarter" idx="12"/>
+          </p:nvPr>
+        </p:nvSpPr>
+        <p:spPr/>
+        <p:txBody>
+          <a:bodyPr/>
+          <a:p>
+            <a:fld id="{49AE70B2-8BF9-45C0-BB95-33D1B9D3A854}" type="slidenum">
+              <a:rPr lang="en-US" smtClean="0"/>
+            </a:fld>
+            <a:endParaRPr lang="en-US"/>
+          </a:p>
+        </p:txBody>
+      </p:sp>
+    </p:spTree>
+  </p:cSld>
+  <p:clrMapOvr>
+    <a:masterClrMapping/>
+  </p:clrMapOvr>
+</p:sld>
+</file>
+
+<file path=ppt/slides/slide5.xml><?xml version="1.0" encoding="utf-8"?>
+<p:sld xmlns:a="http://schemas.openxmlformats.org/drawingml/2006/main" xmlns:r="http://schemas.openxmlformats.org/officeDocument/2006/relationships" xmlns:p="http://schemas.openxmlformats.org/presentationml/2006/main">
+  <p:cSld>
+    <p:spTree>
+      <p:nvGrpSpPr>
+        <p:cNvPr id="1" name=""/>
+        <p:cNvGrpSpPr/>
+        <p:nvPr/>
+      </p:nvGrpSpPr>
+      <p:grpSpPr/>
+      <p:sp>
+        <p:nvSpPr>
+          <p:cNvPr id="2" name="Заголовок 1"/>
+          <p:cNvSpPr>
+            <a:spLocks noGrp="1"/>
+          </p:cNvSpPr>
+          <p:nvPr>
+            <p:ph type="title"/>
+          </p:nvPr>
+        </p:nvSpPr>
+        <p:spPr/>
+        <p:txBody>
+          <a:bodyPr/>
+          <a:p>
+            <a:r>
+              <a:rPr lang="ru-RU" altLang="en-US"/>
+              <a:t>Результаты работы</a:t>
+            </a:r>
+            <a:endParaRPr lang="ru-RU" altLang="en-US"/>
+          </a:p>
+        </p:txBody>
+      </p:sp>
+      <p:pic>
+        <p:nvPicPr>
+          <p:cNvPr id="5" name="Замещающее содержимое 4"/>
+          <p:cNvPicPr>
+            <a:picLocks noChangeAspect="1"/>
+          </p:cNvPicPr>
+          <p:nvPr>
+            <p:ph idx="1"/>
+          </p:nvPr>
+        </p:nvPicPr>
+        <p:blipFill>
+          <a:blip r:embed="rId1"/>
+          <a:stretch>
+            <a:fillRect/>
+          </a:stretch>
+        </p:blipFill>
+        <p:spPr>
+          <a:xfrm>
+            <a:off x="1751330" y="1171575"/>
+            <a:ext cx="7505700" cy="4781550"/>
+          </a:xfrm>
+          <a:prstGeom prst="rect">
+            <a:avLst/>
+          </a:prstGeom>
+        </p:spPr>
+      </p:pic>
+      <p:sp>
+        <p:nvSpPr>
+          <p:cNvPr id="4" name="Замещающий номер слайда 3"/>
+          <p:cNvSpPr>
+            <a:spLocks noGrp="1"/>
+          </p:cNvSpPr>
+          <p:nvPr>
+            <p:ph type="sldNum" sz="quarter" idx="12"/>
+          </p:nvPr>
+        </p:nvSpPr>
+        <p:spPr/>
+        <p:txBody>
+          <a:bodyPr/>
+          <a:p>
+            <a:fld id="{49AE70B2-8BF9-45C0-BB95-33D1B9D3A854}" type="slidenum">
+              <a:rPr lang="en-US" smtClean="0"/>
+            </a:fld>
+            <a:endParaRPr lang="en-US"/>
+          </a:p>
+        </p:txBody>
+      </p:sp>
+    </p:spTree>
+  </p:cSld>
+  <p:clrMapOvr>
+    <a:masterClrMapping/>
+  </p:clrMapOvr>
+</p:sld>
+</file>
+
+<file path=ppt/slides/slide6.xml><?xml version="1.0" encoding="utf-8"?>
+<p:sld xmlns:a="http://schemas.openxmlformats.org/drawingml/2006/main" xmlns:r="http://schemas.openxmlformats.org/officeDocument/2006/relationships" xmlns:p="http://schemas.openxmlformats.org/presentationml/2006/main">
+  <p:cSld>
+    <p:spTree>
+      <p:nvGrpSpPr>
+        <p:cNvPr id="1" name=""/>
+        <p:cNvGrpSpPr/>
+        <p:nvPr/>
+      </p:nvGrpSpPr>
+      <p:grpSpPr/>
+      <p:sp>
+        <p:nvSpPr>
+          <p:cNvPr id="2" name="Заголовок 1"/>
+          <p:cNvSpPr>
+            <a:spLocks noGrp="1"/>
+          </p:cNvSpPr>
+          <p:nvPr>
+            <p:ph type="title"/>
+          </p:nvPr>
+        </p:nvSpPr>
+        <p:spPr/>
+        <p:txBody>
+          <a:bodyPr/>
+          <a:p>
+            <a:r>
+              <a:rPr lang="ru-RU" altLang="en-US"/>
+              <a:t>Результаты работы</a:t>
+            </a:r>
+            <a:endParaRPr lang="ru-RU" altLang="en-US"/>
+          </a:p>
+        </p:txBody>
+      </p:sp>
+      <p:sp>
+        <p:nvSpPr>
+          <p:cNvPr id="4" name="Замещающий номер слайда 3"/>
+          <p:cNvSpPr>
+            <a:spLocks noGrp="1"/>
+          </p:cNvSpPr>
+          <p:nvPr>
+            <p:ph type="sldNum" sz="quarter" idx="12"/>
+          </p:nvPr>
+        </p:nvSpPr>
+        <p:spPr/>
+        <p:txBody>
+          <a:bodyPr/>
+          <a:p>
+            <a:fld id="{49AE70B2-8BF9-45C0-BB95-33D1B9D3A854}" type="slidenum">
+              <a:rPr lang="en-US" smtClean="0"/>
+            </a:fld>
+            <a:endParaRPr lang="en-US"/>
+          </a:p>
+        </p:txBody>
+      </p:sp>
+      <p:pic>
+        <p:nvPicPr>
+          <p:cNvPr id="7" name="Замещающее содержимое 6"/>
+          <p:cNvPicPr>
+            <a:picLocks noChangeAspect="1"/>
+          </p:cNvPicPr>
+          <p:nvPr>
+            <p:ph idx="1"/>
+          </p:nvPr>
+        </p:nvPicPr>
+        <p:blipFill>
+          <a:blip r:embed="rId1"/>
+          <a:stretch>
+            <a:fillRect/>
+          </a:stretch>
+        </p:blipFill>
+        <p:spPr>
+          <a:xfrm>
+            <a:off x="2199005" y="1103630"/>
+            <a:ext cx="6910070" cy="4953000"/>
+          </a:xfrm>
+          <a:prstGeom prst="rect">
+            <a:avLst/>
+          </a:prstGeom>
+        </p:spPr>
+      </p:pic>
+    </p:spTree>
+  </p:cSld>
+  <p:clrMapOvr>
+    <a:masterClrMapping/>
+  </p:clrMapOvr>
+</p:sld>
+</file>
+
+<file path=ppt/slides/slide7.xml><?xml version="1.0" encoding="utf-8"?>
+<p:sld xmlns:a="http://schemas.openxmlformats.org/drawingml/2006/main" xmlns:r="http://schemas.openxmlformats.org/officeDocument/2006/relationships" xmlns:p="http://schemas.openxmlformats.org/presentationml/2006/main">
+  <p:cSld>
+    <p:spTree>
+      <p:nvGrpSpPr>
+        <p:cNvPr id="1" name=""/>
+        <p:cNvGrpSpPr/>
+        <p:nvPr/>
+      </p:nvGrpSpPr>
+      <p:grpSpPr/>
+      <p:sp>
+        <p:nvSpPr>
+          <p:cNvPr id="2" name="Заголовок 1"/>
+          <p:cNvSpPr>
+            <a:spLocks noGrp="1"/>
+          </p:cNvSpPr>
+          <p:nvPr>
+            <p:ph type="title"/>
+          </p:nvPr>
+        </p:nvSpPr>
+        <p:spPr>
+          <a:xfrm>
+            <a:off x="1280160" y="2574290"/>
+            <a:ext cx="10972800" cy="582613"/>
+          </a:xfrm>
+        </p:spPr>
+        <p:txBody>
+          <a:bodyPr/>
+          <a:p>
+            <a:r>
+              <a:rPr lang="ru-RU" altLang="en-US"/>
+              <a:t>Спасибо за внимание!</a:t>
+            </a:r>
+            <a:endParaRPr lang="ru-RU" altLang="en-US"/>
+          </a:p>
+        </p:txBody>
+      </p:sp>
+      <p:sp>
+        <p:nvSpPr>
+          <p:cNvPr id="4" name="Замещающий номер слайда 3"/>
           <p:cNvSpPr>
             <a:spLocks noGrp="1"/>
           </p:cNvSpPr>
